--- a/keylogger_project.pptx
+++ b/keylogger_project.pptx
@@ -18,6 +18,7 @@
     <p:sldId id="267" r:id="rId12"/>
     <p:sldId id="264" r:id="rId13"/>
     <p:sldId id="265" r:id="rId14"/>
+    <p:sldId id="269" r:id="rId15"/>
   </p:sldIdLst>
   <p:sldSz cx="12192000" cy="6858000"/>
   <p:notesSz cx="12192000" cy="6858000"/>
@@ -280,7 +281,7 @@
           <a:p>
             <a:fld id="{1D8BD707-D9CF-40AE-B4C6-C98DA3205C09}" type="datetimeFigureOut">
               <a:rPr lang="en-US"/>
-              <a:t>6/15/2024</a:t>
+              <a:t>6/20/2024</a:t>
             </a:fld>
             <a:endParaRPr lang="en-US" dirty="0"/>
           </a:p>
@@ -460,7 +461,7 @@
           <a:p>
             <a:fld id="{1D8BD707-D9CF-40AE-B4C6-C98DA3205C09}" type="datetimeFigureOut">
               <a:rPr lang="en-US"/>
-              <a:t>6/15/2024</a:t>
+              <a:t>6/20/2024</a:t>
             </a:fld>
             <a:endParaRPr lang="en-US" dirty="0"/>
           </a:p>
@@ -683,7 +684,7 @@
           <a:p>
             <a:fld id="{1D8BD707-D9CF-40AE-B4C6-C98DA3205C09}" type="datetimeFigureOut">
               <a:rPr lang="en-US"/>
-              <a:t>6/15/2024</a:t>
+              <a:t>6/20/2024</a:t>
             </a:fld>
             <a:endParaRPr lang="en-US" dirty="0"/>
           </a:p>
@@ -840,7 +841,7 @@
           <a:p>
             <a:fld id="{1D8BD707-D9CF-40AE-B4C6-C98DA3205C09}" type="datetimeFigureOut">
               <a:rPr lang="en-US"/>
-              <a:t>6/15/2024</a:t>
+              <a:t>6/20/2024</a:t>
             </a:fld>
             <a:endParaRPr lang="en-US" dirty="0"/>
           </a:p>
@@ -968,7 +969,7 @@
           <a:p>
             <a:fld id="{1D8BD707-D9CF-40AE-B4C6-C98DA3205C09}" type="datetimeFigureOut">
               <a:rPr lang="en-US"/>
-              <a:t>6/15/2024</a:t>
+              <a:t>6/20/2024</a:t>
             </a:fld>
             <a:endParaRPr lang="en-US" dirty="0"/>
           </a:p>
@@ -1687,7 +1688,7 @@
           <a:p>
             <a:fld id="{1D8BD707-D9CF-40AE-B4C6-C98DA3205C09}" type="datetimeFigureOut">
               <a:rPr lang="en-US"/>
-              <a:t>6/15/2024</a:t>
+              <a:t>6/20/2024</a:t>
             </a:fld>
             <a:endParaRPr lang="en-US" dirty="0"/>
           </a:p>
@@ -3917,6 +3918,92 @@
         </p:txBody>
       </p:sp>
     </p:spTree>
+  </p:cSld>
+  <p:clrMapOvr>
+    <a:masterClrMapping/>
+  </p:clrMapOvr>
+</p:sld>
+</file>
+
+<file path=ppt/slides/slide14.xml><?xml version="1.0" encoding="utf-8"?>
+<p:sld xmlns:a="http://schemas.openxmlformats.org/drawingml/2006/main" xmlns:r="http://schemas.openxmlformats.org/officeDocument/2006/relationships" xmlns:p="http://schemas.openxmlformats.org/presentationml/2006/main">
+  <p:cSld>
+    <p:spTree>
+      <p:nvGrpSpPr>
+        <p:cNvPr id="1" name=""/>
+        <p:cNvGrpSpPr/>
+        <p:nvPr/>
+      </p:nvGrpSpPr>
+      <p:grpSpPr>
+        <a:xfrm>
+          <a:off x="0" y="0"/>
+          <a:ext cx="0" cy="0"/>
+          <a:chOff x="0" y="0"/>
+          <a:chExt cx="0" cy="0"/>
+        </a:xfrm>
+      </p:grpSpPr>
+      <p:sp>
+        <p:nvSpPr>
+          <p:cNvPr id="2" name="Title 1"/>
+          <p:cNvSpPr>
+            <a:spLocks noGrp="1"/>
+          </p:cNvSpPr>
+          <p:nvPr>
+            <p:ph type="title"/>
+          </p:nvPr>
+        </p:nvSpPr>
+        <p:spPr/>
+        <p:txBody>
+          <a:bodyPr/>
+          <a:lstStyle/>
+          <a:p>
+            <a:r>
+              <a:rPr lang="en-US" dirty="0" err="1" smtClean="0"/>
+              <a:t>Github</a:t>
+            </a:r>
+            <a:r>
+              <a:rPr lang="en-US" dirty="0" smtClean="0"/>
+              <a:t> Link</a:t>
+            </a:r>
+            <a:endParaRPr lang="en-IN" dirty="0"/>
+          </a:p>
+        </p:txBody>
+      </p:sp>
+      <p:sp>
+        <p:nvSpPr>
+          <p:cNvPr id="3" name="Text Placeholder 2"/>
+          <p:cNvSpPr>
+            <a:spLocks noGrp="1"/>
+          </p:cNvSpPr>
+          <p:nvPr>
+            <p:ph type="body" idx="1"/>
+          </p:nvPr>
+        </p:nvSpPr>
+        <p:spPr>
+          <a:xfrm>
+            <a:off x="609600" y="1577340"/>
+            <a:ext cx="10972800" cy="276999"/>
+          </a:xfrm>
+        </p:spPr>
+        <p:txBody>
+          <a:bodyPr/>
+          <a:lstStyle/>
+          <a:p>
+            <a:r>
+              <a:rPr lang="en-IN" dirty="0">
+                <a:hlinkClick r:id="rId2"/>
+              </a:rPr>
+              <a:t>https://github.com/Pavi-pavithra/Keylogger.git</a:t>
+            </a:r>
+          </a:p>
+        </p:txBody>
+      </p:sp>
+    </p:spTree>
+    <p:extLst>
+      <p:ext uri="{BB962C8B-B14F-4D97-AF65-F5344CB8AC3E}">
+        <p14:creationId xmlns:p14="http://schemas.microsoft.com/office/powerpoint/2010/main" val="3786934321"/>
+      </p:ext>
+    </p:extLst>
   </p:cSld>
   <p:clrMapOvr>
     <a:masterClrMapping/>
